--- a/Publication/NikitinSA_01_02_Публикация.pptx
+++ b/Publication/NikitinSA_01_02_Публикация.pptx
@@ -5,12 +5,13 @@
     <p:sldMasterId id="2147483648" r:id="rId1"/>
   </p:sldMasterIdLst>
   <p:sldIdLst>
-    <p:sldId id="256" r:id="rId2"/>
-    <p:sldId id="257" r:id="rId3"/>
-    <p:sldId id="258" r:id="rId4"/>
-    <p:sldId id="259" r:id="rId5"/>
-    <p:sldId id="260" r:id="rId6"/>
-    <p:sldId id="261" r:id="rId7"/>
+    <p:sldId id="262" r:id="rId2"/>
+    <p:sldId id="256" r:id="rId3"/>
+    <p:sldId id="257" r:id="rId4"/>
+    <p:sldId id="258" r:id="rId5"/>
+    <p:sldId id="259" r:id="rId6"/>
+    <p:sldId id="260" r:id="rId7"/>
+    <p:sldId id="261" r:id="rId8"/>
   </p:sldIdLst>
   <p:sldSz cx="12192000" cy="6858000"/>
   <p:notesSz cx="6858000" cy="9144000"/>
@@ -264,7 +265,7 @@
           <a:p>
             <a:fld id="{3A960786-CA6D-47E0-9661-EA54432F1B8C}" type="datetimeFigureOut">
               <a:rPr lang="ru-RU" smtClean="0"/>
-              <a:t>28.11.2024</a:t>
+              <a:t>09.12.2024</a:t>
             </a:fld>
             <a:endParaRPr lang="ru-RU"/>
           </a:p>
@@ -462,7 +463,7 @@
           <a:p>
             <a:fld id="{3A960786-CA6D-47E0-9661-EA54432F1B8C}" type="datetimeFigureOut">
               <a:rPr lang="ru-RU" smtClean="0"/>
-              <a:t>28.11.2024</a:t>
+              <a:t>09.12.2024</a:t>
             </a:fld>
             <a:endParaRPr lang="ru-RU"/>
           </a:p>
@@ -670,7 +671,7 @@
           <a:p>
             <a:fld id="{3A960786-CA6D-47E0-9661-EA54432F1B8C}" type="datetimeFigureOut">
               <a:rPr lang="ru-RU" smtClean="0"/>
-              <a:t>28.11.2024</a:t>
+              <a:t>09.12.2024</a:t>
             </a:fld>
             <a:endParaRPr lang="ru-RU"/>
           </a:p>
@@ -868,7 +869,7 @@
           <a:p>
             <a:fld id="{3A960786-CA6D-47E0-9661-EA54432F1B8C}" type="datetimeFigureOut">
               <a:rPr lang="ru-RU" smtClean="0"/>
-              <a:t>28.11.2024</a:t>
+              <a:t>09.12.2024</a:t>
             </a:fld>
             <a:endParaRPr lang="ru-RU"/>
           </a:p>
@@ -1143,7 +1144,7 @@
           <a:p>
             <a:fld id="{3A960786-CA6D-47E0-9661-EA54432F1B8C}" type="datetimeFigureOut">
               <a:rPr lang="ru-RU" smtClean="0"/>
-              <a:t>28.11.2024</a:t>
+              <a:t>09.12.2024</a:t>
             </a:fld>
             <a:endParaRPr lang="ru-RU"/>
           </a:p>
@@ -1408,7 +1409,7 @@
           <a:p>
             <a:fld id="{3A960786-CA6D-47E0-9661-EA54432F1B8C}" type="datetimeFigureOut">
               <a:rPr lang="ru-RU" smtClean="0"/>
-              <a:t>28.11.2024</a:t>
+              <a:t>09.12.2024</a:t>
             </a:fld>
             <a:endParaRPr lang="ru-RU"/>
           </a:p>
@@ -1820,7 +1821,7 @@
           <a:p>
             <a:fld id="{3A960786-CA6D-47E0-9661-EA54432F1B8C}" type="datetimeFigureOut">
               <a:rPr lang="ru-RU" smtClean="0"/>
-              <a:t>28.11.2024</a:t>
+              <a:t>09.12.2024</a:t>
             </a:fld>
             <a:endParaRPr lang="ru-RU"/>
           </a:p>
@@ -1961,7 +1962,7 @@
           <a:p>
             <a:fld id="{3A960786-CA6D-47E0-9661-EA54432F1B8C}" type="datetimeFigureOut">
               <a:rPr lang="ru-RU" smtClean="0"/>
-              <a:t>28.11.2024</a:t>
+              <a:t>09.12.2024</a:t>
             </a:fld>
             <a:endParaRPr lang="ru-RU"/>
           </a:p>
@@ -2074,7 +2075,7 @@
           <a:p>
             <a:fld id="{3A960786-CA6D-47E0-9661-EA54432F1B8C}" type="datetimeFigureOut">
               <a:rPr lang="ru-RU" smtClean="0"/>
-              <a:t>28.11.2024</a:t>
+              <a:t>09.12.2024</a:t>
             </a:fld>
             <a:endParaRPr lang="ru-RU"/>
           </a:p>
@@ -2385,7 +2386,7 @@
           <a:p>
             <a:fld id="{3A960786-CA6D-47E0-9661-EA54432F1B8C}" type="datetimeFigureOut">
               <a:rPr lang="ru-RU" smtClean="0"/>
-              <a:t>28.11.2024</a:t>
+              <a:t>09.12.2024</a:t>
             </a:fld>
             <a:endParaRPr lang="ru-RU"/>
           </a:p>
@@ -2673,7 +2674,7 @@
           <a:p>
             <a:fld id="{3A960786-CA6D-47E0-9661-EA54432F1B8C}" type="datetimeFigureOut">
               <a:rPr lang="ru-RU" smtClean="0"/>
-              <a:t>28.11.2024</a:t>
+              <a:t>09.12.2024</a:t>
             </a:fld>
             <a:endParaRPr lang="ru-RU"/>
           </a:p>
@@ -2914,7 +2915,7 @@
           <a:p>
             <a:fld id="{3A960786-CA6D-47E0-9661-EA54432F1B8C}" type="datetimeFigureOut">
               <a:rPr lang="ru-RU" smtClean="0"/>
-              <a:t>28.11.2024</a:t>
+              <a:t>09.12.2024</a:t>
             </a:fld>
             <a:endParaRPr lang="ru-RU"/>
           </a:p>
@@ -3333,6 +3334,140 @@
       </p:grpSpPr>
       <p:sp>
         <p:nvSpPr>
+          <p:cNvPr id="4" name="Заголовок 1">
+            <a:extLst>
+              <a:ext uri="{FF2B5EF4-FFF2-40B4-BE49-F238E27FC236}">
+                <a16:creationId xmlns:a16="http://schemas.microsoft.com/office/drawing/2014/main" id="{FEF8DE4C-8CDD-4A89-9469-05155EB4A7FA}"/>
+              </a:ext>
+            </a:extLst>
+          </p:cNvPr>
+          <p:cNvSpPr txBox="1">
+            <a:spLocks/>
+          </p:cNvSpPr>
+          <p:nvPr/>
+        </p:nvSpPr>
+        <p:spPr>
+          <a:xfrm>
+            <a:off x="1676400" y="1274763"/>
+            <a:ext cx="9144000" cy="2387600"/>
+          </a:xfrm>
+          <a:prstGeom prst="rect">
+            <a:avLst/>
+          </a:prstGeom>
+        </p:spPr>
+        <p:txBody>
+          <a:bodyPr vert="horz" lIns="91440" tIns="45720" rIns="91440" bIns="45720" rtlCol="0" anchor="b">
+            <a:normAutofit/>
+          </a:bodyPr>
+          <a:lstStyle>
+            <a:lvl1pPr algn="ctr" defTabSz="914400" rtl="0" eaLnBrk="1" latinLnBrk="0" hangingPunct="1">
+              <a:lnSpc>
+                <a:spcPct val="90000"/>
+              </a:lnSpc>
+              <a:spcBef>
+                <a:spcPct val="0"/>
+              </a:spcBef>
+              <a:buNone/>
+              <a:defRPr sz="6000" kern="1200">
+                <a:solidFill>
+                  <a:schemeClr val="tx1"/>
+                </a:solidFill>
+                <a:latin typeface="+mj-lt"/>
+                <a:ea typeface="+mj-ea"/>
+                <a:cs typeface="+mj-cs"/>
+              </a:defRPr>
+            </a:lvl1pPr>
+          </a:lstStyle>
+          <a:p>
+            <a:r>
+              <a:rPr lang="ru-RU" sz="4000" dirty="0"/>
+              <a:t>Разработка </a:t>
+            </a:r>
+            <a:r>
+              <a:rPr lang="ru-RU" sz="4000"/>
+              <a:t>мобильного приложения</a:t>
+            </a:r>
+            <a:br>
+              <a:rPr lang="en-US" sz="4000" dirty="0"/>
+            </a:br>
+            <a:r>
+              <a:rPr lang="ru-RU" sz="4000" dirty="0"/>
+              <a:t>«Геометрический калькулятор»</a:t>
+            </a:r>
+          </a:p>
+        </p:txBody>
+      </p:sp>
+      <p:sp>
+        <p:nvSpPr>
+          <p:cNvPr id="6" name="Подзаголовок 2">
+            <a:extLst>
+              <a:ext uri="{FF2B5EF4-FFF2-40B4-BE49-F238E27FC236}">
+                <a16:creationId xmlns:a16="http://schemas.microsoft.com/office/drawing/2014/main" id="{B72900A7-BCB1-409D-B7B7-527AEBD7EA90}"/>
+              </a:ext>
+            </a:extLst>
+          </p:cNvPr>
+          <p:cNvSpPr>
+            <a:spLocks noGrp="1"/>
+          </p:cNvSpPr>
+          <p:nvPr>
+            <p:ph type="subTitle" idx="1"/>
+          </p:nvPr>
+        </p:nvSpPr>
+        <p:spPr>
+          <a:xfrm>
+            <a:off x="5883966" y="5667513"/>
+            <a:ext cx="9144000" cy="1655762"/>
+          </a:xfrm>
+        </p:spPr>
+        <p:txBody>
+          <a:bodyPr/>
+          <a:lstStyle/>
+          <a:p>
+            <a:r>
+              <a:rPr lang="ru-RU" dirty="0"/>
+              <a:t>Выполнил: Никитин С.А.</a:t>
+            </a:r>
+          </a:p>
+          <a:p>
+            <a:r>
+              <a:rPr lang="ru-RU" dirty="0"/>
+              <a:t>Студент группы: Пр-31</a:t>
+            </a:r>
+          </a:p>
+        </p:txBody>
+      </p:sp>
+    </p:spTree>
+    <p:extLst>
+      <p:ext uri="{BB962C8B-B14F-4D97-AF65-F5344CB8AC3E}">
+        <p14:creationId xmlns:p14="http://schemas.microsoft.com/office/powerpoint/2010/main" val="2342702402"/>
+      </p:ext>
+    </p:extLst>
+  </p:cSld>
+  <p:clrMapOvr>
+    <a:masterClrMapping/>
+  </p:clrMapOvr>
+</p:sld>
+</file>
+
+<file path=ppt/slides/slide2.xml><?xml version="1.0" encoding="utf-8"?>
+<p:sld xmlns:a="http://schemas.openxmlformats.org/drawingml/2006/main" xmlns:r="http://schemas.openxmlformats.org/officeDocument/2006/relationships" xmlns:p="http://schemas.openxmlformats.org/presentationml/2006/main">
+  <p:cSld>
+    <p:spTree>
+      <p:nvGrpSpPr>
+        <p:cNvPr id="1" name=""/>
+        <p:cNvGrpSpPr/>
+        <p:nvPr/>
+      </p:nvGrpSpPr>
+      <p:grpSpPr>
+        <a:xfrm>
+          <a:off x="0" y="0"/>
+          <a:ext cx="0" cy="0"/>
+          <a:chOff x="0" y="0"/>
+          <a:chExt cx="0" cy="0"/>
+        </a:xfrm>
+      </p:grpSpPr>
+      <p:sp>
+        <p:nvSpPr>
           <p:cNvPr id="4" name="TextBox 3">
             <a:extLst>
               <a:ext uri="{FF2B5EF4-FFF2-40B4-BE49-F238E27FC236}">
@@ -3718,7 +3853,7 @@
 </p:sld>
 </file>
 
-<file path=ppt/slides/slide2.xml><?xml version="1.0" encoding="utf-8"?>
+<file path=ppt/slides/slide3.xml><?xml version="1.0" encoding="utf-8"?>
 <p:sld xmlns:a="http://schemas.openxmlformats.org/drawingml/2006/main" xmlns:r="http://schemas.openxmlformats.org/officeDocument/2006/relationships" xmlns:p="http://schemas.openxmlformats.org/presentationml/2006/main">
   <p:cSld>
     <p:spTree>
@@ -3820,7 +3955,7 @@
 </p:sld>
 </file>
 
-<file path=ppt/slides/slide3.xml><?xml version="1.0" encoding="utf-8"?>
+<file path=ppt/slides/slide4.xml><?xml version="1.0" encoding="utf-8"?>
 <p:sld xmlns:a="http://schemas.openxmlformats.org/drawingml/2006/main" xmlns:r="http://schemas.openxmlformats.org/officeDocument/2006/relationships" xmlns:p="http://schemas.openxmlformats.org/presentationml/2006/main">
   <p:cSld>
     <p:spTree>
@@ -3948,7 +4083,7 @@
 </p:sld>
 </file>
 
-<file path=ppt/slides/slide4.xml><?xml version="1.0" encoding="utf-8"?>
+<file path=ppt/slides/slide5.xml><?xml version="1.0" encoding="utf-8"?>
 <p:sld xmlns:a="http://schemas.openxmlformats.org/drawingml/2006/main" xmlns:r="http://schemas.openxmlformats.org/officeDocument/2006/relationships" xmlns:p="http://schemas.openxmlformats.org/presentationml/2006/main">
   <p:cSld>
     <p:spTree>
@@ -4088,7 +4223,7 @@
 </p:sld>
 </file>
 
-<file path=ppt/slides/slide5.xml><?xml version="1.0" encoding="utf-8"?>
+<file path=ppt/slides/slide6.xml><?xml version="1.0" encoding="utf-8"?>
 <p:sld xmlns:a="http://schemas.openxmlformats.org/drawingml/2006/main" xmlns:r="http://schemas.openxmlformats.org/officeDocument/2006/relationships" xmlns:p="http://schemas.openxmlformats.org/presentationml/2006/main">
   <p:cSld>
     <p:spTree>
@@ -5138,7 +5273,7 @@
 </p:sld>
 </file>
 
-<file path=ppt/slides/slide6.xml><?xml version="1.0" encoding="utf-8"?>
+<file path=ppt/slides/slide7.xml><?xml version="1.0" encoding="utf-8"?>
 <p:sld xmlns:a="http://schemas.openxmlformats.org/drawingml/2006/main" xmlns:r="http://schemas.openxmlformats.org/officeDocument/2006/relationships" xmlns:p="http://schemas.openxmlformats.org/presentationml/2006/main">
   <p:cSld>
     <p:spTree>
